--- a/祢是我的神.pptx
+++ b/祢是我的神.pptx
@@ -5,9 +5,14 @@
     <p:sldMasterId id="2147483660" r:id="rId1"/>
   </p:sldMasterIdLst>
   <p:sldIdLst>
-    <p:sldId id="257" r:id="rId2"/>
-    <p:sldId id="258" r:id="rId3"/>
-    <p:sldId id="259" r:id="rId4"/>
+    <p:sldId id="260" r:id="rId2"/>
+    <p:sldId id="261" r:id="rId3"/>
+    <p:sldId id="262" r:id="rId4"/>
+    <p:sldId id="263" r:id="rId5"/>
+    <p:sldId id="264" r:id="rId6"/>
+    <p:sldId id="265" r:id="rId7"/>
+    <p:sldId id="266" r:id="rId8"/>
+    <p:sldId id="267" r:id="rId9"/>
   </p:sldIdLst>
   <p:sldSz cx="12192000" cy="6858000"/>
   <p:notesSz cx="6858000" cy="9144000"/>
@@ -106,6 +111,11 @@
       </a:defRPr>
     </a:lvl9pPr>
   </p:defaultTextStyle>
+  <p:extLst>
+    <p:ext uri="{EFAFB233-063F-42B5-8137-9DF3F51BA10A}">
+      <p15:sldGuideLst xmlns:p15="http://schemas.microsoft.com/office/powerpoint/2012/main"/>
+    </p:ext>
+  </p:extLst>
 </p:presentation>
 </file>
 
@@ -290,7 +300,7 @@
           <a:p>
             <a:fld id="{1825D82A-FA5F-434C-9902-4310CF5907B7}" type="datetimeFigureOut">
               <a:rPr lang="zh-TW" altLang="en-US" smtClean="0"/>
-              <a:t>2019/10/18</a:t>
+              <a:t>2023/10/28</a:t>
             </a:fld>
             <a:endParaRPr lang="zh-TW" altLang="en-US"/>
           </a:p>
@@ -460,7 +470,7 @@
           <a:p>
             <a:fld id="{1825D82A-FA5F-434C-9902-4310CF5907B7}" type="datetimeFigureOut">
               <a:rPr lang="zh-TW" altLang="en-US" smtClean="0"/>
-              <a:t>2019/10/18</a:t>
+              <a:t>2023/10/28</a:t>
             </a:fld>
             <a:endParaRPr lang="zh-TW" altLang="en-US"/>
           </a:p>
@@ -640,7 +650,7 @@
           <a:p>
             <a:fld id="{1825D82A-FA5F-434C-9902-4310CF5907B7}" type="datetimeFigureOut">
               <a:rPr lang="zh-TW" altLang="en-US" smtClean="0"/>
-              <a:t>2019/10/18</a:t>
+              <a:t>2023/10/28</a:t>
             </a:fld>
             <a:endParaRPr lang="zh-TW" altLang="en-US"/>
           </a:p>
@@ -810,7 +820,7 @@
           <a:p>
             <a:fld id="{1825D82A-FA5F-434C-9902-4310CF5907B7}" type="datetimeFigureOut">
               <a:rPr lang="zh-TW" altLang="en-US" smtClean="0"/>
-              <a:t>2019/10/18</a:t>
+              <a:t>2023/10/28</a:t>
             </a:fld>
             <a:endParaRPr lang="zh-TW" altLang="en-US"/>
           </a:p>
@@ -1056,7 +1066,7 @@
           <a:p>
             <a:fld id="{1825D82A-FA5F-434C-9902-4310CF5907B7}" type="datetimeFigureOut">
               <a:rPr lang="zh-TW" altLang="en-US" smtClean="0"/>
-              <a:t>2019/10/18</a:t>
+              <a:t>2023/10/28</a:t>
             </a:fld>
             <a:endParaRPr lang="zh-TW" altLang="en-US"/>
           </a:p>
@@ -1344,7 +1354,7 @@
           <a:p>
             <a:fld id="{1825D82A-FA5F-434C-9902-4310CF5907B7}" type="datetimeFigureOut">
               <a:rPr lang="zh-TW" altLang="en-US" smtClean="0"/>
-              <a:t>2019/10/18</a:t>
+              <a:t>2023/10/28</a:t>
             </a:fld>
             <a:endParaRPr lang="zh-TW" altLang="en-US"/>
           </a:p>
@@ -1766,7 +1776,7 @@
           <a:p>
             <a:fld id="{1825D82A-FA5F-434C-9902-4310CF5907B7}" type="datetimeFigureOut">
               <a:rPr lang="zh-TW" altLang="en-US" smtClean="0"/>
-              <a:t>2019/10/18</a:t>
+              <a:t>2023/10/28</a:t>
             </a:fld>
             <a:endParaRPr lang="zh-TW" altLang="en-US"/>
           </a:p>
@@ -1884,7 +1894,7 @@
           <a:p>
             <a:fld id="{1825D82A-FA5F-434C-9902-4310CF5907B7}" type="datetimeFigureOut">
               <a:rPr lang="zh-TW" altLang="en-US" smtClean="0"/>
-              <a:t>2019/10/18</a:t>
+              <a:t>2023/10/28</a:t>
             </a:fld>
             <a:endParaRPr lang="zh-TW" altLang="en-US"/>
           </a:p>
@@ -1979,7 +1989,7 @@
           <a:p>
             <a:fld id="{1825D82A-FA5F-434C-9902-4310CF5907B7}" type="datetimeFigureOut">
               <a:rPr lang="zh-TW" altLang="en-US" smtClean="0"/>
-              <a:t>2019/10/18</a:t>
+              <a:t>2023/10/28</a:t>
             </a:fld>
             <a:endParaRPr lang="zh-TW" altLang="en-US"/>
           </a:p>
@@ -2256,7 +2266,7 @@
           <a:p>
             <a:fld id="{1825D82A-FA5F-434C-9902-4310CF5907B7}" type="datetimeFigureOut">
               <a:rPr lang="zh-TW" altLang="en-US" smtClean="0"/>
-              <a:t>2019/10/18</a:t>
+              <a:t>2023/10/28</a:t>
             </a:fld>
             <a:endParaRPr lang="zh-TW" altLang="en-US"/>
           </a:p>
@@ -2513,7 +2523,7 @@
           <a:p>
             <a:fld id="{1825D82A-FA5F-434C-9902-4310CF5907B7}" type="datetimeFigureOut">
               <a:rPr lang="zh-TW" altLang="en-US" smtClean="0"/>
-              <a:t>2019/10/18</a:t>
+              <a:t>2023/10/28</a:t>
             </a:fld>
             <a:endParaRPr lang="zh-TW" altLang="en-US"/>
           </a:p>
@@ -2731,7 +2741,7 @@
           <a:p>
             <a:fld id="{1825D82A-FA5F-434C-9902-4310CF5907B7}" type="datetimeFigureOut">
               <a:rPr lang="zh-TW" altLang="en-US" smtClean="0"/>
-              <a:t>2019/10/18</a:t>
+              <a:t>2023/10/28</a:t>
             </a:fld>
             <a:endParaRPr lang="zh-TW" altLang="en-US"/>
           </a:p>
@@ -3108,7 +3118,7 @@
       </p:grpSpPr>
       <p:sp>
         <p:nvSpPr>
-          <p:cNvPr id="2" name="標題 1"/>
+          <p:cNvPr id="4" name="標題 3"/>
           <p:cNvSpPr>
             <a:spLocks noGrp="1"/>
           </p:cNvSpPr>
@@ -3116,106 +3126,65 @@
             <p:ph type="title"/>
           </p:nvPr>
         </p:nvSpPr>
-        <p:spPr/>
+        <p:spPr>
+          <a:xfrm>
+            <a:off x="0" y="2660915"/>
+            <a:ext cx="12192000" cy="1143000"/>
+          </a:xfrm>
+        </p:spPr>
         <p:txBody>
           <a:bodyPr>
-            <a:normAutofit/>
+            <a:noAutofit/>
           </a:bodyPr>
           <a:lstStyle/>
           <a:p>
-            <a:pPr algn="ctr"/>
-            <a:r>
-              <a:rPr lang="zh-TW" altLang="zh-TW" sz="4800" b="1" dirty="0">
-                <a:latin typeface="微軟正黑體" panose="020B0604030504040204" pitchFamily="34" charset="-120"/>
-                <a:ea typeface="微軟正黑體" panose="020B0604030504040204" pitchFamily="34" charset="-120"/>
-              </a:rPr>
-              <a:t>祢是我的神</a:t>
-            </a:r>
-            <a:endParaRPr lang="zh-TW" altLang="en-US" sz="4800" dirty="0">
-              <a:latin typeface="微軟正黑體" panose="020B0604030504040204" pitchFamily="34" charset="-120"/>
-              <a:ea typeface="微軟正黑體" panose="020B0604030504040204" pitchFamily="34" charset="-120"/>
-            </a:endParaRPr>
-          </a:p>
-        </p:txBody>
-      </p:sp>
-      <p:sp>
-        <p:nvSpPr>
-          <p:cNvPr id="3" name="內容版面配置區 2"/>
-          <p:cNvSpPr>
-            <a:spLocks noGrp="1"/>
-          </p:cNvSpPr>
-          <p:nvPr>
-            <p:ph idx="1"/>
-          </p:nvPr>
-        </p:nvSpPr>
-        <p:spPr/>
-        <p:txBody>
-          <a:bodyPr>
-            <a:normAutofit/>
-          </a:bodyPr>
-          <a:lstStyle/>
-          <a:p>
-            <a:pPr marL="0" indent="0" algn="ctr">
-              <a:buNone/>
-            </a:pPr>
-            <a:r>
-              <a:rPr lang="zh-TW" altLang="zh-TW" sz="5400" b="1" dirty="0">
-                <a:latin typeface="微軟正黑體" panose="020B0604030504040204" pitchFamily="34" charset="-120"/>
-                <a:ea typeface="微軟正黑體" panose="020B0604030504040204" pitchFamily="34" charset="-120"/>
-              </a:rPr>
-              <a:t>天和地海和山陽光空氣</a:t>
-            </a:r>
-            <a:endParaRPr lang="zh-TW" altLang="zh-TW" sz="5400" dirty="0">
-              <a:latin typeface="微軟正黑體" panose="020B0604030504040204" pitchFamily="34" charset="-120"/>
-              <a:ea typeface="微軟正黑體" panose="020B0604030504040204" pitchFamily="34" charset="-120"/>
-            </a:endParaRPr>
-          </a:p>
-          <a:p>
-            <a:pPr marL="0" indent="0" algn="ctr">
-              <a:buNone/>
-            </a:pPr>
-            <a:r>
-              <a:rPr lang="zh-TW" altLang="zh-TW" sz="5400" b="1" dirty="0">
-                <a:latin typeface="微軟正黑體" panose="020B0604030504040204" pitchFamily="34" charset="-120"/>
-                <a:ea typeface="微軟正黑體" panose="020B0604030504040204" pitchFamily="34" charset="-120"/>
-              </a:rPr>
-              <a:t>花和草鳥和魚是祢創造</a:t>
-            </a:r>
-            <a:endParaRPr lang="zh-TW" altLang="zh-TW" sz="5400" dirty="0">
-              <a:latin typeface="微軟正黑體" panose="020B0604030504040204" pitchFamily="34" charset="-120"/>
-              <a:ea typeface="微軟正黑體" panose="020B0604030504040204" pitchFamily="34" charset="-120"/>
-            </a:endParaRPr>
-          </a:p>
-          <a:p>
-            <a:pPr marL="0" indent="0" algn="ctr">
-              <a:buNone/>
-            </a:pPr>
-            <a:r>
-              <a:rPr lang="zh-TW" altLang="zh-TW" sz="5400" b="1" dirty="0">
-                <a:latin typeface="微軟正黑體" panose="020B0604030504040204" pitchFamily="34" charset="-120"/>
-                <a:ea typeface="微軟正黑體" panose="020B0604030504040204" pitchFamily="34" charset="-120"/>
-              </a:rPr>
-              <a:t>按著祢造了我賜我生命氣息</a:t>
-            </a:r>
-            <a:endParaRPr lang="zh-TW" altLang="zh-TW" sz="5400" dirty="0">
-              <a:latin typeface="微軟正黑體" panose="020B0604030504040204" pitchFamily="34" charset="-120"/>
-              <a:ea typeface="微軟正黑體" panose="020B0604030504040204" pitchFamily="34" charset="-120"/>
-            </a:endParaRPr>
-          </a:p>
-          <a:p>
-            <a:pPr marL="0" indent="0" algn="ctr">
-              <a:buNone/>
-            </a:pPr>
-            <a:r>
-              <a:rPr lang="zh-TW" altLang="zh-TW" sz="5400" b="1" dirty="0">
-                <a:latin typeface="微軟正黑體" panose="020B0604030504040204" pitchFamily="34" charset="-120"/>
-                <a:ea typeface="微軟正黑體" panose="020B0604030504040204" pitchFamily="34" charset="-120"/>
-              </a:rPr>
-              <a:t>我要一生來讚美祢</a:t>
-            </a:r>
-            <a:endParaRPr lang="zh-TW" altLang="en-US" sz="5400" dirty="0">
-              <a:latin typeface="微軟正黑體" panose="020B0604030504040204" pitchFamily="34" charset="-120"/>
-              <a:ea typeface="微軟正黑體" panose="020B0604030504040204" pitchFamily="34" charset="-120"/>
+            <a:r>
+              <a:rPr lang="zh-TW" altLang="zh-TW" sz="7200" b="1" i="1" dirty="0">
+                <a:solidFill>
+                  <a:srgbClr val="000066"/>
+                </a:solidFill>
+                <a:effectLst>
+                  <a:outerShdw blurRad="38100" dist="38100" dir="2700000" algn="tl">
+                    <a:srgbClr val="000000">
+                      <a:alpha val="43137"/>
+                    </a:srgbClr>
+                  </a:outerShdw>
+                </a:effectLst>
+                <a:latin typeface="微軟正黑體" pitchFamily="34" charset="-120"/>
+                <a:ea typeface="微軟正黑體" pitchFamily="34" charset="-120"/>
+              </a:rPr>
+              <a:t>祢</a:t>
+            </a:r>
+            <a:r>
+              <a:rPr lang="zh-TW" altLang="zh-TW" sz="7200" b="1" i="1" dirty="0">
+                <a:solidFill>
+                  <a:srgbClr val="000066"/>
+                </a:solidFill>
+                <a:effectLst>
+                  <a:outerShdw blurRad="38100" dist="38100" dir="2700000" algn="tl">
+                    <a:srgbClr val="000000">
+                      <a:alpha val="43137"/>
+                    </a:srgbClr>
+                  </a:outerShdw>
+                </a:effectLst>
+                <a:latin typeface="微軟正黑體" pitchFamily="34" charset="-120"/>
+                <a:ea typeface="微軟正黑體" pitchFamily="34" charset="-120"/>
+              </a:rPr>
+              <a:t>是我的神</a:t>
+            </a:r>
+            <a:endParaRPr lang="zh-TW" altLang="en-US" sz="7200" b="1" i="1" dirty="0">
+              <a:solidFill>
+                <a:srgbClr val="000066"/>
+              </a:solidFill>
+              <a:effectLst>
+                <a:outerShdw blurRad="38100" dist="38100" dir="2700000" algn="tl">
+                  <a:srgbClr val="000000">
+                    <a:alpha val="43137"/>
+                  </a:srgbClr>
+                </a:outerShdw>
+              </a:effectLst>
+              <a:latin typeface="微軟正黑體" pitchFamily="34" charset="-120"/>
+              <a:ea typeface="微軟正黑體" pitchFamily="34" charset="-120"/>
             </a:endParaRPr>
           </a:p>
         </p:txBody>
@@ -3223,7 +3192,7 @@
     </p:spTree>
     <p:extLst>
       <p:ext uri="{BB962C8B-B14F-4D97-AF65-F5344CB8AC3E}">
-        <p14:creationId xmlns:p14="http://schemas.microsoft.com/office/powerpoint/2010/main" val="2257768748"/>
+        <p14:creationId xmlns:p14="http://schemas.microsoft.com/office/powerpoint/2010/main" val="777450520"/>
       </p:ext>
     </p:extLst>
   </p:cSld>
@@ -3252,110 +3221,285 @@
       </p:grpSpPr>
       <p:sp>
         <p:nvSpPr>
-          <p:cNvPr id="2" name="標題 1"/>
-          <p:cNvSpPr>
-            <a:spLocks noGrp="1"/>
-          </p:cNvSpPr>
-          <p:nvPr>
-            <p:ph type="title"/>
-          </p:nvPr>
-        </p:nvSpPr>
-        <p:spPr/>
-        <p:txBody>
-          <a:bodyPr>
+          <p:cNvPr id="5" name="內容版面配置區 4"/>
+          <p:cNvSpPr>
+            <a:spLocks noGrp="1"/>
+          </p:cNvSpPr>
+          <p:nvPr>
+            <p:ph idx="1"/>
+          </p:nvPr>
+        </p:nvSpPr>
+        <p:spPr>
+          <a:xfrm>
+            <a:off x="0" y="2084851"/>
+            <a:ext cx="12192000" cy="2404863"/>
+          </a:xfrm>
+        </p:spPr>
+        <p:txBody>
+          <a:bodyPr anchor="ctr">
             <a:normAutofit/>
           </a:bodyPr>
           <a:lstStyle/>
           <a:p>
+            <a:pPr marL="0" indent="0" algn="ctr">
+              <a:buNone/>
+            </a:pPr>
+            <a:r>
+              <a:rPr lang="zh-TW" altLang="zh-TW" sz="6400" b="1" dirty="0">
+                <a:solidFill>
+                  <a:srgbClr val="000066"/>
+                </a:solidFill>
+                <a:latin typeface="微軟正黑體" pitchFamily="34" charset="-120"/>
+                <a:ea typeface="微軟正黑體" pitchFamily="34" charset="-120"/>
+              </a:rPr>
+              <a:t>天</a:t>
+            </a:r>
+            <a:r>
+              <a:rPr lang="zh-TW" altLang="zh-TW" sz="6400" b="1" dirty="0">
+                <a:solidFill>
+                  <a:srgbClr val="000066"/>
+                </a:solidFill>
+                <a:latin typeface="微軟正黑體" pitchFamily="34" charset="-120"/>
+                <a:ea typeface="微軟正黑體" pitchFamily="34" charset="-120"/>
+              </a:rPr>
+              <a:t>和</a:t>
+            </a:r>
+            <a:r>
+              <a:rPr lang="zh-TW" altLang="zh-TW" sz="6400" b="1" dirty="0">
+                <a:solidFill>
+                  <a:srgbClr val="000066"/>
+                </a:solidFill>
+                <a:latin typeface="微軟正黑體" pitchFamily="34" charset="-120"/>
+                <a:ea typeface="微軟正黑體" pitchFamily="34" charset="-120"/>
+              </a:rPr>
+              <a:t>地</a:t>
+            </a:r>
+            <a:r>
+              <a:rPr lang="en-US" altLang="zh-TW" sz="6400" b="1" dirty="0">
+                <a:solidFill>
+                  <a:srgbClr val="000066"/>
+                </a:solidFill>
+                <a:latin typeface="微軟正黑體" pitchFamily="34" charset="-120"/>
+                <a:ea typeface="微軟正黑體" pitchFamily="34" charset="-120"/>
+              </a:rPr>
+              <a:t>  </a:t>
+            </a:r>
+            <a:r>
+              <a:rPr lang="zh-TW" altLang="zh-TW" sz="6400" b="1" dirty="0">
+                <a:solidFill>
+                  <a:srgbClr val="000066"/>
+                </a:solidFill>
+                <a:latin typeface="微軟正黑體" pitchFamily="34" charset="-120"/>
+                <a:ea typeface="微軟正黑體" pitchFamily="34" charset="-120"/>
+              </a:rPr>
+              <a:t>海</a:t>
+            </a:r>
+            <a:r>
+              <a:rPr lang="zh-TW" altLang="zh-TW" sz="6400" b="1" dirty="0">
+                <a:solidFill>
+                  <a:srgbClr val="000066"/>
+                </a:solidFill>
+                <a:latin typeface="微軟正黑體" pitchFamily="34" charset="-120"/>
+                <a:ea typeface="微軟正黑體" pitchFamily="34" charset="-120"/>
+              </a:rPr>
+              <a:t>和</a:t>
+            </a:r>
+            <a:r>
+              <a:rPr lang="zh-TW" altLang="zh-TW" sz="6400" b="1" dirty="0">
+                <a:solidFill>
+                  <a:srgbClr val="000066"/>
+                </a:solidFill>
+                <a:latin typeface="微軟正黑體" pitchFamily="34" charset="-120"/>
+                <a:ea typeface="微軟正黑體" pitchFamily="34" charset="-120"/>
+              </a:rPr>
+              <a:t>山</a:t>
+            </a:r>
+            <a:r>
+              <a:rPr lang="en-US" altLang="zh-TW" sz="6400" b="1" dirty="0">
+                <a:solidFill>
+                  <a:srgbClr val="000066"/>
+                </a:solidFill>
+                <a:latin typeface="微軟正黑體" pitchFamily="34" charset="-120"/>
+                <a:ea typeface="微軟正黑體" pitchFamily="34" charset="-120"/>
+              </a:rPr>
+              <a:t>  </a:t>
+            </a:r>
+            <a:r>
+              <a:rPr lang="zh-TW" altLang="zh-TW" sz="6400" b="1" dirty="0">
+                <a:solidFill>
+                  <a:srgbClr val="000066"/>
+                </a:solidFill>
+                <a:latin typeface="微軟正黑體" pitchFamily="34" charset="-120"/>
+                <a:ea typeface="微軟正黑體" pitchFamily="34" charset="-120"/>
+              </a:rPr>
+              <a:t>陽</a:t>
+            </a:r>
+            <a:r>
+              <a:rPr lang="zh-TW" altLang="zh-TW" sz="6400" b="1" dirty="0">
+                <a:solidFill>
+                  <a:srgbClr val="000066"/>
+                </a:solidFill>
+                <a:latin typeface="微軟正黑體" pitchFamily="34" charset="-120"/>
+                <a:ea typeface="微軟正黑體" pitchFamily="34" charset="-120"/>
+              </a:rPr>
+              <a:t>光空氣</a:t>
+            </a:r>
+          </a:p>
+          <a:p>
+            <a:pPr marL="0" indent="0" algn="ctr">
+              <a:buNone/>
+            </a:pPr>
+            <a:r>
+              <a:rPr lang="zh-TW" altLang="zh-TW" sz="6400" b="1" dirty="0">
+                <a:solidFill>
+                  <a:srgbClr val="000066"/>
+                </a:solidFill>
+                <a:latin typeface="微軟正黑體" pitchFamily="34" charset="-120"/>
+                <a:ea typeface="微軟正黑體" pitchFamily="34" charset="-120"/>
+              </a:rPr>
+              <a:t>花和</a:t>
+            </a:r>
+            <a:r>
+              <a:rPr lang="zh-TW" altLang="zh-TW" sz="6400" b="1" dirty="0">
+                <a:solidFill>
+                  <a:srgbClr val="000066"/>
+                </a:solidFill>
+                <a:latin typeface="微軟正黑體" pitchFamily="34" charset="-120"/>
+                <a:ea typeface="微軟正黑體" pitchFamily="34" charset="-120"/>
+              </a:rPr>
+              <a:t>草</a:t>
+            </a:r>
+            <a:r>
+              <a:rPr lang="en-US" altLang="zh-TW" sz="6400" b="1" dirty="0">
+                <a:solidFill>
+                  <a:srgbClr val="000066"/>
+                </a:solidFill>
+                <a:latin typeface="微軟正黑體" pitchFamily="34" charset="-120"/>
+                <a:ea typeface="微軟正黑體" pitchFamily="34" charset="-120"/>
+              </a:rPr>
+              <a:t>  </a:t>
+            </a:r>
+            <a:r>
+              <a:rPr lang="zh-TW" altLang="zh-TW" sz="6400" b="1" dirty="0">
+                <a:solidFill>
+                  <a:srgbClr val="000066"/>
+                </a:solidFill>
+                <a:latin typeface="微軟正黑體" pitchFamily="34" charset="-120"/>
+                <a:ea typeface="微軟正黑體" pitchFamily="34" charset="-120"/>
+              </a:rPr>
+              <a:t>鳥</a:t>
+            </a:r>
+            <a:r>
+              <a:rPr lang="zh-TW" altLang="zh-TW" sz="6400" b="1" dirty="0">
+                <a:solidFill>
+                  <a:srgbClr val="000066"/>
+                </a:solidFill>
+                <a:latin typeface="微軟正黑體" pitchFamily="34" charset="-120"/>
+                <a:ea typeface="微軟正黑體" pitchFamily="34" charset="-120"/>
+              </a:rPr>
+              <a:t>和</a:t>
+            </a:r>
+            <a:r>
+              <a:rPr lang="zh-TW" altLang="zh-TW" sz="6400" b="1" dirty="0">
+                <a:solidFill>
+                  <a:srgbClr val="000066"/>
+                </a:solidFill>
+                <a:latin typeface="微軟正黑體" pitchFamily="34" charset="-120"/>
+                <a:ea typeface="微軟正黑體" pitchFamily="34" charset="-120"/>
+              </a:rPr>
+              <a:t>魚</a:t>
+            </a:r>
+            <a:r>
+              <a:rPr lang="en-US" altLang="zh-TW" sz="6400" b="1" dirty="0">
+                <a:solidFill>
+                  <a:srgbClr val="000066"/>
+                </a:solidFill>
+                <a:latin typeface="微軟正黑體" pitchFamily="34" charset="-120"/>
+                <a:ea typeface="微軟正黑體" pitchFamily="34" charset="-120"/>
+              </a:rPr>
+              <a:t>  </a:t>
+            </a:r>
+            <a:r>
+              <a:rPr lang="zh-TW" altLang="zh-TW" sz="6400" b="1" dirty="0">
+                <a:solidFill>
+                  <a:srgbClr val="000066"/>
+                </a:solidFill>
+                <a:latin typeface="微軟正黑體" pitchFamily="34" charset="-120"/>
+                <a:ea typeface="微軟正黑體" pitchFamily="34" charset="-120"/>
+              </a:rPr>
+              <a:t>是</a:t>
+            </a:r>
+            <a:r>
+              <a:rPr lang="zh-TW" altLang="zh-TW" sz="6400" b="1" dirty="0">
+                <a:solidFill>
+                  <a:srgbClr val="000066"/>
+                </a:solidFill>
+                <a:latin typeface="微軟正黑體" pitchFamily="34" charset="-120"/>
+                <a:ea typeface="微軟正黑體" pitchFamily="34" charset="-120"/>
+              </a:rPr>
+              <a:t>祢創造</a:t>
+            </a:r>
+          </a:p>
+        </p:txBody>
+      </p:sp>
+      <p:sp>
+        <p:nvSpPr>
+          <p:cNvPr id="3" name="TextBox 2"/>
+          <p:cNvSpPr txBox="1"/>
+          <p:nvPr/>
+        </p:nvSpPr>
+        <p:spPr>
+          <a:xfrm>
+            <a:off x="0" y="5157193"/>
+            <a:ext cx="12192000" cy="584775"/>
+          </a:xfrm>
+          <a:prstGeom prst="rect">
+            <a:avLst/>
+          </a:prstGeom>
+          <a:noFill/>
+        </p:spPr>
+        <p:txBody>
+          <a:bodyPr wrap="square" rtlCol="0">
+            <a:spAutoFit/>
+          </a:bodyPr>
+          <a:lstStyle/>
+          <a:p>
             <a:pPr algn="ctr"/>
             <a:r>
-              <a:rPr lang="zh-TW" altLang="zh-TW" sz="4800" b="1" dirty="0">
-                <a:latin typeface="微軟正黑體" panose="020B0604030504040204" pitchFamily="34" charset="-120"/>
-                <a:ea typeface="微軟正黑體" panose="020B0604030504040204" pitchFamily="34" charset="-120"/>
-              </a:rPr>
-              <a:t>祢是我的神</a:t>
-            </a:r>
-            <a:endParaRPr lang="zh-TW" altLang="en-US" sz="4800" dirty="0">
-              <a:latin typeface="微軟正黑體" panose="020B0604030504040204" pitchFamily="34" charset="-120"/>
-              <a:ea typeface="微軟正黑體" panose="020B0604030504040204" pitchFamily="34" charset="-120"/>
-            </a:endParaRPr>
-          </a:p>
-        </p:txBody>
-      </p:sp>
-      <p:sp>
-        <p:nvSpPr>
-          <p:cNvPr id="3" name="內容版面配置區 2"/>
-          <p:cNvSpPr>
-            <a:spLocks noGrp="1"/>
-          </p:cNvSpPr>
-          <p:nvPr>
-            <p:ph idx="1"/>
-          </p:nvPr>
-        </p:nvSpPr>
-        <p:spPr/>
-        <p:txBody>
-          <a:bodyPr>
-            <a:normAutofit/>
-          </a:bodyPr>
-          <a:lstStyle/>
-          <a:p>
-            <a:pPr marL="0" indent="0" algn="ctr">
-              <a:buNone/>
-            </a:pPr>
-            <a:r>
-              <a:rPr lang="zh-TW" altLang="zh-TW" sz="5400" b="1" dirty="0">
-                <a:latin typeface="微軟正黑體" panose="020B0604030504040204" pitchFamily="34" charset="-120"/>
-                <a:ea typeface="微軟正黑體" panose="020B0604030504040204" pitchFamily="34" charset="-120"/>
-              </a:rPr>
-              <a:t>在困境在痛悲祢賜安慰</a:t>
-            </a:r>
-          </a:p>
-          <a:p>
-            <a:pPr marL="0" indent="0" algn="ctr">
-              <a:buNone/>
-            </a:pPr>
-            <a:r>
-              <a:rPr lang="zh-CN" altLang="zh-TW" sz="5400" b="1" dirty="0">
-                <a:latin typeface="微軟正黑體" panose="020B0604030504040204" pitchFamily="34" charset="-120"/>
-                <a:ea typeface="微軟正黑體" panose="020B0604030504040204" pitchFamily="34" charset="-120"/>
-              </a:rPr>
-              <a:t>祢的愛在我心永不止息</a:t>
-            </a:r>
-            <a:endParaRPr lang="zh-TW" altLang="zh-TW" sz="5400" b="1" dirty="0">
-              <a:latin typeface="微軟正黑體" panose="020B0604030504040204" pitchFamily="34" charset="-120"/>
-              <a:ea typeface="微軟正黑體" panose="020B0604030504040204" pitchFamily="34" charset="-120"/>
-            </a:endParaRPr>
-          </a:p>
-          <a:p>
-            <a:pPr marL="0" indent="0" algn="ctr">
-              <a:buNone/>
-            </a:pPr>
-            <a:r>
-              <a:rPr lang="zh-CN" altLang="zh-TW" sz="5400" b="1" dirty="0">
-                <a:latin typeface="微軟正黑體" panose="020B0604030504040204" pitchFamily="34" charset="-120"/>
-                <a:ea typeface="微軟正黑體" panose="020B0604030504040204" pitchFamily="34" charset="-120"/>
-              </a:rPr>
-              <a:t>我的主我的神祢已拯救了我</a:t>
-            </a:r>
-            <a:endParaRPr lang="zh-TW" altLang="zh-TW" sz="5400" b="1" dirty="0">
-              <a:latin typeface="微軟正黑體" panose="020B0604030504040204" pitchFamily="34" charset="-120"/>
-              <a:ea typeface="微軟正黑體" panose="020B0604030504040204" pitchFamily="34" charset="-120"/>
-            </a:endParaRPr>
-          </a:p>
-          <a:p>
-            <a:pPr marL="0" indent="0" algn="ctr">
-              <a:buNone/>
-            </a:pPr>
-            <a:r>
-              <a:rPr lang="zh-TW" altLang="zh-TW" sz="5400" b="1" dirty="0">
-                <a:latin typeface="微軟正黑體" panose="020B0604030504040204" pitchFamily="34" charset="-120"/>
-                <a:ea typeface="微軟正黑體" panose="020B0604030504040204" pitchFamily="34" charset="-120"/>
-              </a:rPr>
-              <a:t>我要一生跟隨著祢</a:t>
-            </a:r>
-            <a:endParaRPr lang="zh-TW" altLang="en-US" sz="5400" b="1" dirty="0">
-              <a:latin typeface="微軟正黑體" panose="020B0604030504040204" pitchFamily="34" charset="-120"/>
-              <a:ea typeface="微軟正黑體" panose="020B0604030504040204" pitchFamily="34" charset="-120"/>
+              <a:rPr lang="en-US" sz="3200" b="1" dirty="0">
+                <a:solidFill>
+                  <a:srgbClr val="000066"/>
+                </a:solidFill>
+                <a:latin typeface="Microsoft JhengHei" panose="020B0604030504040204" pitchFamily="34" charset="-120"/>
+                <a:ea typeface="Microsoft JhengHei" panose="020B0604030504040204" pitchFamily="34" charset="-120"/>
+              </a:rPr>
+              <a:t>( </a:t>
+            </a:r>
+            <a:r>
+              <a:rPr lang="zh-CN" altLang="en-US" sz="3200" b="1" dirty="0">
+                <a:solidFill>
+                  <a:srgbClr val="000066"/>
+                </a:solidFill>
+                <a:latin typeface="Microsoft JhengHei" panose="020B0604030504040204" pitchFamily="34" charset="-120"/>
+                <a:ea typeface="Microsoft JhengHei" panose="020B0604030504040204" pitchFamily="34" charset="-120"/>
+              </a:rPr>
+              <a:t>正歌</a:t>
+            </a:r>
+            <a:r>
+              <a:rPr lang="en-US" sz="3200" b="1" dirty="0">
+                <a:solidFill>
+                  <a:srgbClr val="000066"/>
+                </a:solidFill>
+                <a:latin typeface="Microsoft JhengHei" panose="020B0604030504040204" pitchFamily="34" charset="-120"/>
+                <a:ea typeface="Microsoft JhengHei" panose="020B0604030504040204" pitchFamily="34" charset="-120"/>
+              </a:rPr>
+              <a:t> )</a:t>
+            </a:r>
+            <a:endParaRPr lang="vi-VN" sz="3200" b="1" dirty="0">
+              <a:solidFill>
+                <a:srgbClr val="000066"/>
+              </a:solidFill>
+              <a:ea typeface="Microsoft JhengHei" panose="020B0604030504040204" pitchFamily="34" charset="-120"/>
             </a:endParaRPr>
           </a:p>
         </p:txBody>
@@ -3363,7 +3507,7 @@
     </p:spTree>
     <p:extLst>
       <p:ext uri="{BB962C8B-B14F-4D97-AF65-F5344CB8AC3E}">
-        <p14:creationId xmlns:p14="http://schemas.microsoft.com/office/powerpoint/2010/main" val="1906470601"/>
+        <p14:creationId xmlns:p14="http://schemas.microsoft.com/office/powerpoint/2010/main" val="3990554345"/>
       </p:ext>
     </p:extLst>
   </p:cSld>
@@ -3392,147 +3536,162 @@
       </p:grpSpPr>
       <p:sp>
         <p:nvSpPr>
-          <p:cNvPr id="2" name="標題 1"/>
-          <p:cNvSpPr>
-            <a:spLocks noGrp="1"/>
-          </p:cNvSpPr>
-          <p:nvPr>
-            <p:ph type="title"/>
-          </p:nvPr>
-        </p:nvSpPr>
-        <p:spPr/>
-        <p:txBody>
-          <a:bodyPr>
+          <p:cNvPr id="5" name="內容版面配置區 4"/>
+          <p:cNvSpPr>
+            <a:spLocks noGrp="1"/>
+          </p:cNvSpPr>
+          <p:nvPr>
+            <p:ph idx="1"/>
+          </p:nvPr>
+        </p:nvSpPr>
+        <p:spPr>
+          <a:xfrm>
+            <a:off x="0" y="2084851"/>
+            <a:ext cx="12192000" cy="2404863"/>
+          </a:xfrm>
+        </p:spPr>
+        <p:txBody>
+          <a:bodyPr anchor="ctr">
             <a:normAutofit/>
           </a:bodyPr>
           <a:lstStyle/>
           <a:p>
-            <a:pPr algn="ctr"/>
-            <a:r>
-              <a:rPr lang="zh-TW" altLang="zh-TW" sz="4800" b="1" dirty="0">
-                <a:latin typeface="微軟正黑體" panose="020B0604030504040204" pitchFamily="34" charset="-120"/>
-                <a:ea typeface="微軟正黑體" panose="020B0604030504040204" pitchFamily="34" charset="-120"/>
-              </a:rPr>
-              <a:t>祢是我的神</a:t>
-            </a:r>
-            <a:endParaRPr lang="zh-TW" altLang="en-US" sz="4800" dirty="0">
-              <a:latin typeface="微軟正黑體" panose="020B0604030504040204" pitchFamily="34" charset="-120"/>
-              <a:ea typeface="微軟正黑體" panose="020B0604030504040204" pitchFamily="34" charset="-120"/>
+            <a:pPr marL="0" indent="0" algn="ctr">
+              <a:buNone/>
+            </a:pPr>
+            <a:r>
+              <a:rPr lang="zh-TW" altLang="zh-TW" sz="6400" b="1" dirty="0">
+                <a:solidFill>
+                  <a:srgbClr val="000066"/>
+                </a:solidFill>
+                <a:latin typeface="微軟正黑體" pitchFamily="34" charset="-120"/>
+                <a:ea typeface="微軟正黑體" pitchFamily="34" charset="-120"/>
+              </a:rPr>
+              <a:t>按著祢造了</a:t>
+            </a:r>
+            <a:r>
+              <a:rPr lang="zh-TW" altLang="zh-TW" sz="6400" b="1" dirty="0">
+                <a:solidFill>
+                  <a:srgbClr val="000066"/>
+                </a:solidFill>
+                <a:latin typeface="微軟正黑體" pitchFamily="34" charset="-120"/>
+                <a:ea typeface="微軟正黑體" pitchFamily="34" charset="-120"/>
+              </a:rPr>
+              <a:t>我</a:t>
+            </a:r>
+            <a:r>
+              <a:rPr lang="en-US" altLang="zh-TW" sz="6400" b="1" dirty="0">
+                <a:solidFill>
+                  <a:srgbClr val="000066"/>
+                </a:solidFill>
+                <a:latin typeface="微軟正黑體" pitchFamily="34" charset="-120"/>
+                <a:ea typeface="微軟正黑體" pitchFamily="34" charset="-120"/>
+              </a:rPr>
+              <a:t>  </a:t>
+            </a:r>
+            <a:r>
+              <a:rPr lang="zh-TW" altLang="zh-TW" sz="6400" b="1" dirty="0">
+                <a:solidFill>
+                  <a:srgbClr val="000066"/>
+                </a:solidFill>
+                <a:latin typeface="微軟正黑體" pitchFamily="34" charset="-120"/>
+                <a:ea typeface="微軟正黑體" pitchFamily="34" charset="-120"/>
+              </a:rPr>
+              <a:t>賜</a:t>
+            </a:r>
+            <a:r>
+              <a:rPr lang="zh-TW" altLang="zh-TW" sz="6400" b="1" dirty="0">
+                <a:solidFill>
+                  <a:srgbClr val="000066"/>
+                </a:solidFill>
+                <a:latin typeface="微軟正黑體" pitchFamily="34" charset="-120"/>
+                <a:ea typeface="微軟正黑體" pitchFamily="34" charset="-120"/>
+              </a:rPr>
+              <a:t>我生命氣息</a:t>
+            </a:r>
+          </a:p>
+          <a:p>
+            <a:pPr marL="0" indent="0" algn="ctr">
+              <a:buNone/>
+            </a:pPr>
+            <a:r>
+              <a:rPr lang="zh-TW" altLang="zh-TW" sz="6400" b="1" dirty="0">
+                <a:solidFill>
+                  <a:srgbClr val="000066"/>
+                </a:solidFill>
+                <a:latin typeface="微軟正黑體" pitchFamily="34" charset="-120"/>
+                <a:ea typeface="微軟正黑體" pitchFamily="34" charset="-120"/>
+              </a:rPr>
+              <a:t>我要一生來讚美祢</a:t>
+            </a:r>
+            <a:endParaRPr lang="zh-TW" altLang="en-US" sz="6400" b="1" dirty="0">
+              <a:solidFill>
+                <a:srgbClr val="000066"/>
+              </a:solidFill>
+              <a:latin typeface="微軟正黑體" pitchFamily="34" charset="-120"/>
+              <a:ea typeface="微軟正黑體" pitchFamily="34" charset="-120"/>
             </a:endParaRPr>
           </a:p>
         </p:txBody>
       </p:sp>
       <p:sp>
         <p:nvSpPr>
-          <p:cNvPr id="3" name="內容版面配置區 2"/>
-          <p:cNvSpPr>
-            <a:spLocks noGrp="1"/>
-          </p:cNvSpPr>
-          <p:nvPr>
-            <p:ph idx="1"/>
-          </p:nvPr>
+          <p:cNvPr id="3" name="TextBox 2"/>
+          <p:cNvSpPr txBox="1"/>
+          <p:nvPr/>
         </p:nvSpPr>
         <p:spPr>
           <a:xfrm>
-            <a:off x="609600" y="1600201"/>
-            <a:ext cx="10972800" cy="5257799"/>
+            <a:off x="0" y="5157193"/>
+            <a:ext cx="12192000" cy="584775"/>
           </a:xfrm>
+          <a:prstGeom prst="rect">
+            <a:avLst/>
+          </a:prstGeom>
+          <a:noFill/>
         </p:spPr>
         <p:txBody>
-          <a:bodyPr>
-            <a:normAutofit/>
+          <a:bodyPr wrap="square" rtlCol="0">
+            <a:spAutoFit/>
           </a:bodyPr>
           <a:lstStyle/>
           <a:p>
-            <a:pPr marL="0" indent="0" algn="ctr">
-              <a:buNone/>
-            </a:pPr>
-            <a:r>
-              <a:rPr lang="zh-TW" altLang="zh-TW" sz="5400" b="1" dirty="0">
-                <a:latin typeface="微軟正黑體" panose="020B0604030504040204" pitchFamily="34" charset="-120"/>
-                <a:ea typeface="微軟正黑體" panose="020B0604030504040204" pitchFamily="34" charset="-120"/>
-              </a:rPr>
-              <a:t>賜永生的主我的神</a:t>
-            </a:r>
-          </a:p>
-          <a:p>
-            <a:pPr marL="0" indent="0" algn="ctr">
-              <a:buNone/>
-            </a:pPr>
-            <a:r>
-              <a:rPr lang="zh-TW" altLang="zh-TW" sz="5400" b="1" dirty="0">
-                <a:latin typeface="微軟正黑體" panose="020B0604030504040204" pitchFamily="34" charset="-120"/>
-                <a:ea typeface="微軟正黑體" panose="020B0604030504040204" pitchFamily="34" charset="-120"/>
-              </a:rPr>
-              <a:t>使我的生命得</a:t>
-            </a:r>
-            <a:r>
-              <a:rPr lang="zh-TW" altLang="zh-TW" sz="5400" b="1" dirty="0">
-                <a:latin typeface="微軟正黑體" panose="020B0604030504040204" pitchFamily="34" charset="-120"/>
-                <a:ea typeface="微軟正黑體" panose="020B0604030504040204" pitchFamily="34" charset="-120"/>
-              </a:rPr>
-              <a:t>豐盛</a:t>
-            </a:r>
-            <a:r>
-              <a:rPr lang="en-US" altLang="zh-TW" sz="5400" b="1" dirty="0">
-                <a:latin typeface="微軟正黑體" panose="020B0604030504040204" pitchFamily="34" charset="-120"/>
-                <a:ea typeface="微軟正黑體" panose="020B0604030504040204" pitchFamily="34" charset="-120"/>
-              </a:rPr>
-              <a:t> </a:t>
-            </a:r>
-            <a:r>
-              <a:rPr lang="en-US" altLang="zh-TW" sz="5400" b="1" dirty="0">
-                <a:latin typeface="微軟正黑體" panose="020B0604030504040204" pitchFamily="34" charset="-120"/>
-                <a:ea typeface="微軟正黑體" panose="020B0604030504040204" pitchFamily="34" charset="-120"/>
-              </a:rPr>
-              <a:t> </a:t>
-            </a:r>
-          </a:p>
-          <a:p>
-            <a:pPr marL="0" indent="0" algn="ctr">
-              <a:buNone/>
-            </a:pPr>
-            <a:r>
-              <a:rPr lang="zh-TW" altLang="zh-TW" sz="5400" b="1" dirty="0">
-                <a:latin typeface="微軟正黑體" panose="020B0604030504040204" pitchFamily="34" charset="-120"/>
-                <a:ea typeface="微軟正黑體" panose="020B0604030504040204" pitchFamily="34" charset="-120"/>
-              </a:rPr>
-              <a:t>我</a:t>
-            </a:r>
-            <a:r>
-              <a:rPr lang="zh-TW" altLang="zh-TW" sz="5400" b="1" dirty="0">
-                <a:latin typeface="微軟正黑體" panose="020B0604030504040204" pitchFamily="34" charset="-120"/>
-                <a:ea typeface="微軟正黑體" panose="020B0604030504040204" pitchFamily="34" charset="-120"/>
-              </a:rPr>
-              <a:t>的心全屬祢</a:t>
-            </a:r>
-          </a:p>
-          <a:p>
-            <a:pPr marL="0" indent="0" algn="ctr">
-              <a:buNone/>
-            </a:pPr>
-            <a:r>
-              <a:rPr lang="zh-TW" altLang="zh-TW" sz="5400" b="1" dirty="0">
-                <a:latin typeface="微軟正黑體" panose="020B0604030504040204" pitchFamily="34" charset="-120"/>
-                <a:ea typeface="微軟正黑體" panose="020B0604030504040204" pitchFamily="34" charset="-120"/>
-              </a:rPr>
-              <a:t>要傳揚祢的名直到永遠</a:t>
-            </a:r>
-          </a:p>
-          <a:p>
-            <a:pPr marL="0" indent="0" algn="ctr">
-              <a:buNone/>
-            </a:pPr>
-            <a:r>
-              <a:rPr lang="zh-TW" altLang="zh-TW" sz="5400" b="1" dirty="0">
-                <a:latin typeface="微軟正黑體" panose="020B0604030504040204" pitchFamily="34" charset="-120"/>
-                <a:ea typeface="微軟正黑體" panose="020B0604030504040204" pitchFamily="34" charset="-120"/>
-              </a:rPr>
-              <a:t>祢是我的神</a:t>
-            </a:r>
-            <a:endParaRPr lang="zh-TW" altLang="en-US" sz="5400" b="1" dirty="0">
-              <a:latin typeface="微軟正黑體" panose="020B0604030504040204" pitchFamily="34" charset="-120"/>
-              <a:ea typeface="微軟正黑體" panose="020B0604030504040204" pitchFamily="34" charset="-120"/>
+            <a:pPr algn="ctr"/>
+            <a:r>
+              <a:rPr lang="en-US" sz="3200" b="1" dirty="0">
+                <a:solidFill>
+                  <a:srgbClr val="000066"/>
+                </a:solidFill>
+                <a:latin typeface="Microsoft JhengHei" panose="020B0604030504040204" pitchFamily="34" charset="-120"/>
+                <a:ea typeface="Microsoft JhengHei" panose="020B0604030504040204" pitchFamily="34" charset="-120"/>
+              </a:rPr>
+              <a:t>( </a:t>
+            </a:r>
+            <a:r>
+              <a:rPr lang="zh-CN" altLang="en-US" sz="3200" b="1" dirty="0">
+                <a:solidFill>
+                  <a:srgbClr val="000066"/>
+                </a:solidFill>
+                <a:latin typeface="Microsoft JhengHei" panose="020B0604030504040204" pitchFamily="34" charset="-120"/>
+                <a:ea typeface="Microsoft JhengHei" panose="020B0604030504040204" pitchFamily="34" charset="-120"/>
+              </a:rPr>
+              <a:t>正歌</a:t>
+            </a:r>
+            <a:r>
+              <a:rPr lang="en-US" sz="3200" b="1" dirty="0">
+                <a:solidFill>
+                  <a:srgbClr val="000066"/>
+                </a:solidFill>
+                <a:latin typeface="Microsoft JhengHei" panose="020B0604030504040204" pitchFamily="34" charset="-120"/>
+                <a:ea typeface="Microsoft JhengHei" panose="020B0604030504040204" pitchFamily="34" charset="-120"/>
+              </a:rPr>
+              <a:t> )</a:t>
+            </a:r>
+            <a:endParaRPr lang="vi-VN" sz="3200" b="1" dirty="0">
+              <a:solidFill>
+                <a:srgbClr val="000066"/>
+              </a:solidFill>
+              <a:ea typeface="Microsoft JhengHei" panose="020B0604030504040204" pitchFamily="34" charset="-120"/>
             </a:endParaRPr>
           </a:p>
         </p:txBody>
@@ -3540,7 +3699,982 @@
     </p:spTree>
     <p:extLst>
       <p:ext uri="{BB962C8B-B14F-4D97-AF65-F5344CB8AC3E}">
-        <p14:creationId xmlns:p14="http://schemas.microsoft.com/office/powerpoint/2010/main" val="158335959"/>
+        <p14:creationId xmlns:p14="http://schemas.microsoft.com/office/powerpoint/2010/main" val="2599252800"/>
+      </p:ext>
+    </p:extLst>
+  </p:cSld>
+  <p:clrMapOvr>
+    <a:masterClrMapping/>
+  </p:clrMapOvr>
+</p:sld>
+</file>
+
+<file path=ppt/slides/slide4.xml><?xml version="1.0" encoding="utf-8"?>
+<p:sld xmlns:a="http://schemas.openxmlformats.org/drawingml/2006/main" xmlns:r="http://schemas.openxmlformats.org/officeDocument/2006/relationships" xmlns:p="http://schemas.openxmlformats.org/presentationml/2006/main">
+  <p:cSld>
+    <p:spTree>
+      <p:nvGrpSpPr>
+        <p:cNvPr id="1" name=""/>
+        <p:cNvGrpSpPr/>
+        <p:nvPr/>
+      </p:nvGrpSpPr>
+      <p:grpSpPr>
+        <a:xfrm>
+          <a:off x="0" y="0"/>
+          <a:ext cx="0" cy="0"/>
+          <a:chOff x="0" y="0"/>
+          <a:chExt cx="0" cy="0"/>
+        </a:xfrm>
+      </p:grpSpPr>
+      <p:sp>
+        <p:nvSpPr>
+          <p:cNvPr id="5" name="內容版面配置區 4"/>
+          <p:cNvSpPr>
+            <a:spLocks noGrp="1"/>
+          </p:cNvSpPr>
+          <p:nvPr>
+            <p:ph idx="1"/>
+          </p:nvPr>
+        </p:nvSpPr>
+        <p:spPr>
+          <a:xfrm>
+            <a:off x="0" y="2084851"/>
+            <a:ext cx="12192000" cy="2404863"/>
+          </a:xfrm>
+        </p:spPr>
+        <p:txBody>
+          <a:bodyPr anchor="ctr">
+            <a:normAutofit/>
+          </a:bodyPr>
+          <a:lstStyle/>
+          <a:p>
+            <a:pPr marL="0" indent="0" algn="ctr">
+              <a:buNone/>
+            </a:pPr>
+            <a:r>
+              <a:rPr lang="zh-TW" altLang="zh-TW" sz="6400" b="1" dirty="0">
+                <a:solidFill>
+                  <a:srgbClr val="000066"/>
+                </a:solidFill>
+                <a:latin typeface="微軟正黑體" pitchFamily="34" charset="-120"/>
+                <a:ea typeface="微軟正黑體" pitchFamily="34" charset="-120"/>
+              </a:rPr>
+              <a:t>在困</a:t>
+            </a:r>
+            <a:r>
+              <a:rPr lang="zh-TW" altLang="zh-TW" sz="6400" b="1" dirty="0">
+                <a:solidFill>
+                  <a:srgbClr val="000066"/>
+                </a:solidFill>
+                <a:latin typeface="微軟正黑體" pitchFamily="34" charset="-120"/>
+                <a:ea typeface="微軟正黑體" pitchFamily="34" charset="-120"/>
+              </a:rPr>
+              <a:t>境</a:t>
+            </a:r>
+            <a:r>
+              <a:rPr lang="en-US" altLang="zh-TW" sz="6400" b="1" dirty="0">
+                <a:solidFill>
+                  <a:srgbClr val="000066"/>
+                </a:solidFill>
+                <a:latin typeface="微軟正黑體" pitchFamily="34" charset="-120"/>
+                <a:ea typeface="微軟正黑體" pitchFamily="34" charset="-120"/>
+              </a:rPr>
+              <a:t>  </a:t>
+            </a:r>
+            <a:r>
+              <a:rPr lang="zh-TW" altLang="zh-TW" sz="6400" b="1" dirty="0">
+                <a:solidFill>
+                  <a:srgbClr val="000066"/>
+                </a:solidFill>
+                <a:latin typeface="微軟正黑體" pitchFamily="34" charset="-120"/>
+                <a:ea typeface="微軟正黑體" pitchFamily="34" charset="-120"/>
+              </a:rPr>
+              <a:t>在</a:t>
+            </a:r>
+            <a:r>
+              <a:rPr lang="zh-TW" altLang="zh-TW" sz="6400" b="1" dirty="0">
+                <a:solidFill>
+                  <a:srgbClr val="000066"/>
+                </a:solidFill>
+                <a:latin typeface="微軟正黑體" pitchFamily="34" charset="-120"/>
+                <a:ea typeface="微軟正黑體" pitchFamily="34" charset="-120"/>
+              </a:rPr>
+              <a:t>痛</a:t>
+            </a:r>
+            <a:r>
+              <a:rPr lang="zh-TW" altLang="zh-TW" sz="6400" b="1" dirty="0">
+                <a:solidFill>
+                  <a:srgbClr val="000066"/>
+                </a:solidFill>
+                <a:latin typeface="微軟正黑體" pitchFamily="34" charset="-120"/>
+                <a:ea typeface="微軟正黑體" pitchFamily="34" charset="-120"/>
+              </a:rPr>
+              <a:t>悲</a:t>
+            </a:r>
+            <a:r>
+              <a:rPr lang="en-US" altLang="zh-TW" sz="6400" b="1" dirty="0">
+                <a:solidFill>
+                  <a:srgbClr val="000066"/>
+                </a:solidFill>
+                <a:latin typeface="微軟正黑體" pitchFamily="34" charset="-120"/>
+                <a:ea typeface="微軟正黑體" pitchFamily="34" charset="-120"/>
+              </a:rPr>
+              <a:t>  </a:t>
+            </a:r>
+            <a:r>
+              <a:rPr lang="zh-TW" altLang="zh-TW" sz="6400" b="1" dirty="0">
+                <a:solidFill>
+                  <a:srgbClr val="000066"/>
+                </a:solidFill>
+                <a:latin typeface="微軟正黑體" pitchFamily="34" charset="-120"/>
+                <a:ea typeface="微軟正黑體" pitchFamily="34" charset="-120"/>
+              </a:rPr>
+              <a:t>祢</a:t>
+            </a:r>
+            <a:r>
+              <a:rPr lang="zh-TW" altLang="zh-TW" sz="6400" b="1" dirty="0">
+                <a:solidFill>
+                  <a:srgbClr val="000066"/>
+                </a:solidFill>
+                <a:latin typeface="微軟正黑體" pitchFamily="34" charset="-120"/>
+                <a:ea typeface="微軟正黑體" pitchFamily="34" charset="-120"/>
+              </a:rPr>
+              <a:t>賜安慰</a:t>
+            </a:r>
+          </a:p>
+          <a:p>
+            <a:pPr marL="0" indent="0" algn="ctr">
+              <a:buNone/>
+            </a:pPr>
+            <a:r>
+              <a:rPr lang="zh-CN" altLang="zh-TW" sz="6400" b="1" dirty="0">
+                <a:solidFill>
+                  <a:srgbClr val="000066"/>
+                </a:solidFill>
+                <a:latin typeface="微軟正黑體" pitchFamily="34" charset="-120"/>
+                <a:ea typeface="微軟正黑體" pitchFamily="34" charset="-120"/>
+              </a:rPr>
+              <a:t>祢的</a:t>
+            </a:r>
+            <a:r>
+              <a:rPr lang="zh-CN" altLang="zh-TW" sz="6400" b="1" dirty="0">
+                <a:solidFill>
+                  <a:srgbClr val="000066"/>
+                </a:solidFill>
+                <a:latin typeface="微軟正黑體" pitchFamily="34" charset="-120"/>
+                <a:ea typeface="微軟正黑體" pitchFamily="34" charset="-120"/>
+              </a:rPr>
+              <a:t>愛在</a:t>
+            </a:r>
+            <a:r>
+              <a:rPr lang="zh-CN" altLang="zh-TW" sz="6400" b="1" dirty="0">
+                <a:solidFill>
+                  <a:srgbClr val="000066"/>
+                </a:solidFill>
+                <a:latin typeface="微軟正黑體" pitchFamily="34" charset="-120"/>
+                <a:ea typeface="微軟正黑體" pitchFamily="34" charset="-120"/>
+              </a:rPr>
+              <a:t>我</a:t>
+            </a:r>
+            <a:r>
+              <a:rPr lang="zh-CN" altLang="zh-TW" sz="6400" b="1" dirty="0">
+                <a:solidFill>
+                  <a:srgbClr val="000066"/>
+                </a:solidFill>
+                <a:latin typeface="微軟正黑體" pitchFamily="34" charset="-120"/>
+                <a:ea typeface="微軟正黑體" pitchFamily="34" charset="-120"/>
+              </a:rPr>
+              <a:t>心</a:t>
+            </a:r>
+            <a:r>
+              <a:rPr lang="en-US" altLang="zh-CN" sz="6400" b="1" dirty="0">
+                <a:solidFill>
+                  <a:srgbClr val="000066"/>
+                </a:solidFill>
+                <a:latin typeface="微軟正黑體" pitchFamily="34" charset="-120"/>
+                <a:ea typeface="微軟正黑體" pitchFamily="34" charset="-120"/>
+              </a:rPr>
+              <a:t>  </a:t>
+            </a:r>
+            <a:r>
+              <a:rPr lang="zh-CN" altLang="zh-TW" sz="6400" b="1" dirty="0">
+                <a:solidFill>
+                  <a:srgbClr val="000066"/>
+                </a:solidFill>
+                <a:latin typeface="微軟正黑體" pitchFamily="34" charset="-120"/>
+                <a:ea typeface="微軟正黑體" pitchFamily="34" charset="-120"/>
+              </a:rPr>
+              <a:t>永</a:t>
+            </a:r>
+            <a:r>
+              <a:rPr lang="zh-CN" altLang="zh-TW" sz="6400" b="1" dirty="0">
+                <a:solidFill>
+                  <a:srgbClr val="000066"/>
+                </a:solidFill>
+                <a:latin typeface="微軟正黑體" pitchFamily="34" charset="-120"/>
+                <a:ea typeface="微軟正黑體" pitchFamily="34" charset="-120"/>
+              </a:rPr>
+              <a:t>不止息</a:t>
+            </a:r>
+            <a:endParaRPr lang="zh-TW" altLang="zh-TW" sz="6400" b="1" dirty="0">
+              <a:solidFill>
+                <a:srgbClr val="000066"/>
+              </a:solidFill>
+              <a:latin typeface="微軟正黑體" pitchFamily="34" charset="-120"/>
+              <a:ea typeface="微軟正黑體" pitchFamily="34" charset="-120"/>
+            </a:endParaRPr>
+          </a:p>
+        </p:txBody>
+      </p:sp>
+      <p:sp>
+        <p:nvSpPr>
+          <p:cNvPr id="3" name="TextBox 2"/>
+          <p:cNvSpPr txBox="1"/>
+          <p:nvPr/>
+        </p:nvSpPr>
+        <p:spPr>
+          <a:xfrm>
+            <a:off x="0" y="5157193"/>
+            <a:ext cx="12192000" cy="584775"/>
+          </a:xfrm>
+          <a:prstGeom prst="rect">
+            <a:avLst/>
+          </a:prstGeom>
+          <a:noFill/>
+        </p:spPr>
+        <p:txBody>
+          <a:bodyPr wrap="square" rtlCol="0">
+            <a:spAutoFit/>
+          </a:bodyPr>
+          <a:lstStyle/>
+          <a:p>
+            <a:pPr algn="ctr"/>
+            <a:r>
+              <a:rPr lang="en-US" sz="3200" b="1" dirty="0">
+                <a:solidFill>
+                  <a:srgbClr val="000066"/>
+                </a:solidFill>
+                <a:latin typeface="Microsoft JhengHei" panose="020B0604030504040204" pitchFamily="34" charset="-120"/>
+                <a:ea typeface="Microsoft JhengHei" panose="020B0604030504040204" pitchFamily="34" charset="-120"/>
+              </a:rPr>
+              <a:t>( </a:t>
+            </a:r>
+            <a:r>
+              <a:rPr lang="zh-CN" altLang="en-US" sz="3200" b="1" dirty="0">
+                <a:solidFill>
+                  <a:srgbClr val="000066"/>
+                </a:solidFill>
+                <a:latin typeface="Microsoft JhengHei" panose="020B0604030504040204" pitchFamily="34" charset="-120"/>
+                <a:ea typeface="Microsoft JhengHei" panose="020B0604030504040204" pitchFamily="34" charset="-120"/>
+              </a:rPr>
+              <a:t>正歌</a:t>
+            </a:r>
+            <a:r>
+              <a:rPr lang="en-US" sz="3200" b="1" dirty="0">
+                <a:solidFill>
+                  <a:srgbClr val="000066"/>
+                </a:solidFill>
+                <a:latin typeface="Microsoft JhengHei" panose="020B0604030504040204" pitchFamily="34" charset="-120"/>
+                <a:ea typeface="Microsoft JhengHei" panose="020B0604030504040204" pitchFamily="34" charset="-120"/>
+              </a:rPr>
+              <a:t> )</a:t>
+            </a:r>
+            <a:endParaRPr lang="vi-VN" sz="3200" b="1" dirty="0">
+              <a:solidFill>
+                <a:srgbClr val="000066"/>
+              </a:solidFill>
+              <a:ea typeface="Microsoft JhengHei" panose="020B0604030504040204" pitchFamily="34" charset="-120"/>
+            </a:endParaRPr>
+          </a:p>
+        </p:txBody>
+      </p:sp>
+    </p:spTree>
+    <p:extLst>
+      <p:ext uri="{BB962C8B-B14F-4D97-AF65-F5344CB8AC3E}">
+        <p14:creationId xmlns:p14="http://schemas.microsoft.com/office/powerpoint/2010/main" val="2362971354"/>
+      </p:ext>
+    </p:extLst>
+  </p:cSld>
+  <p:clrMapOvr>
+    <a:masterClrMapping/>
+  </p:clrMapOvr>
+</p:sld>
+</file>
+
+<file path=ppt/slides/slide5.xml><?xml version="1.0" encoding="utf-8"?>
+<p:sld xmlns:a="http://schemas.openxmlformats.org/drawingml/2006/main" xmlns:r="http://schemas.openxmlformats.org/officeDocument/2006/relationships" xmlns:p="http://schemas.openxmlformats.org/presentationml/2006/main">
+  <p:cSld>
+    <p:spTree>
+      <p:nvGrpSpPr>
+        <p:cNvPr id="1" name=""/>
+        <p:cNvGrpSpPr/>
+        <p:nvPr/>
+      </p:nvGrpSpPr>
+      <p:grpSpPr>
+        <a:xfrm>
+          <a:off x="0" y="0"/>
+          <a:ext cx="0" cy="0"/>
+          <a:chOff x="0" y="0"/>
+          <a:chExt cx="0" cy="0"/>
+        </a:xfrm>
+      </p:grpSpPr>
+      <p:sp>
+        <p:nvSpPr>
+          <p:cNvPr id="5" name="內容版面配置區 4"/>
+          <p:cNvSpPr>
+            <a:spLocks noGrp="1"/>
+          </p:cNvSpPr>
+          <p:nvPr>
+            <p:ph idx="1"/>
+          </p:nvPr>
+        </p:nvSpPr>
+        <p:spPr>
+          <a:xfrm>
+            <a:off x="0" y="2084851"/>
+            <a:ext cx="12192000" cy="2404863"/>
+          </a:xfrm>
+        </p:spPr>
+        <p:txBody>
+          <a:bodyPr anchor="ctr">
+            <a:normAutofit/>
+          </a:bodyPr>
+          <a:lstStyle/>
+          <a:p>
+            <a:pPr marL="0" indent="0" algn="ctr">
+              <a:buNone/>
+            </a:pPr>
+            <a:r>
+              <a:rPr lang="zh-CN" altLang="zh-TW" sz="6400" b="1" dirty="0">
+                <a:solidFill>
+                  <a:srgbClr val="000066"/>
+                </a:solidFill>
+                <a:latin typeface="微軟正黑體" pitchFamily="34" charset="-120"/>
+                <a:ea typeface="微軟正黑體" pitchFamily="34" charset="-120"/>
+              </a:rPr>
+              <a:t>我的</a:t>
+            </a:r>
+            <a:r>
+              <a:rPr lang="zh-CN" altLang="zh-TW" sz="6400" b="1" dirty="0">
+                <a:solidFill>
+                  <a:srgbClr val="000066"/>
+                </a:solidFill>
+                <a:latin typeface="微軟正黑體" pitchFamily="34" charset="-120"/>
+                <a:ea typeface="微軟正黑體" pitchFamily="34" charset="-120"/>
+              </a:rPr>
+              <a:t>主</a:t>
+            </a:r>
+            <a:r>
+              <a:rPr lang="en-US" altLang="zh-CN" sz="6400" b="1" dirty="0">
+                <a:solidFill>
+                  <a:srgbClr val="000066"/>
+                </a:solidFill>
+                <a:latin typeface="微軟正黑體" pitchFamily="34" charset="-120"/>
+                <a:ea typeface="微軟正黑體" pitchFamily="34" charset="-120"/>
+              </a:rPr>
+              <a:t>  </a:t>
+            </a:r>
+            <a:r>
+              <a:rPr lang="zh-CN" altLang="zh-TW" sz="6400" b="1" dirty="0">
+                <a:solidFill>
+                  <a:srgbClr val="000066"/>
+                </a:solidFill>
+                <a:latin typeface="微軟正黑體" pitchFamily="34" charset="-120"/>
+                <a:ea typeface="微軟正黑體" pitchFamily="34" charset="-120"/>
+              </a:rPr>
+              <a:t>我</a:t>
+            </a:r>
+            <a:r>
+              <a:rPr lang="zh-CN" altLang="zh-TW" sz="6400" b="1" dirty="0">
+                <a:solidFill>
+                  <a:srgbClr val="000066"/>
+                </a:solidFill>
+                <a:latin typeface="微軟正黑體" pitchFamily="34" charset="-120"/>
+                <a:ea typeface="微軟正黑體" pitchFamily="34" charset="-120"/>
+              </a:rPr>
+              <a:t>的</a:t>
+            </a:r>
+            <a:r>
+              <a:rPr lang="zh-CN" altLang="zh-TW" sz="6400" b="1" dirty="0">
+                <a:solidFill>
+                  <a:srgbClr val="000066"/>
+                </a:solidFill>
+                <a:latin typeface="微軟正黑體" pitchFamily="34" charset="-120"/>
+                <a:ea typeface="微軟正黑體" pitchFamily="34" charset="-120"/>
+              </a:rPr>
+              <a:t>神</a:t>
+            </a:r>
+            <a:r>
+              <a:rPr lang="en-US" altLang="zh-CN" sz="6400" b="1" dirty="0">
+                <a:solidFill>
+                  <a:srgbClr val="000066"/>
+                </a:solidFill>
+                <a:latin typeface="微軟正黑體" pitchFamily="34" charset="-120"/>
+                <a:ea typeface="微軟正黑體" pitchFamily="34" charset="-120"/>
+              </a:rPr>
+              <a:t>  </a:t>
+            </a:r>
+            <a:r>
+              <a:rPr lang="zh-CN" altLang="zh-TW" sz="6400" b="1" dirty="0">
+                <a:solidFill>
+                  <a:srgbClr val="000066"/>
+                </a:solidFill>
+                <a:latin typeface="微軟正黑體" pitchFamily="34" charset="-120"/>
+                <a:ea typeface="微軟正黑體" pitchFamily="34" charset="-120"/>
+              </a:rPr>
+              <a:t>祢</a:t>
+            </a:r>
+            <a:r>
+              <a:rPr lang="zh-CN" altLang="zh-TW" sz="6400" b="1" dirty="0">
+                <a:solidFill>
+                  <a:srgbClr val="000066"/>
+                </a:solidFill>
+                <a:latin typeface="微軟正黑體" pitchFamily="34" charset="-120"/>
+                <a:ea typeface="微軟正黑體" pitchFamily="34" charset="-120"/>
+              </a:rPr>
+              <a:t>已拯救了我</a:t>
+            </a:r>
+            <a:endParaRPr lang="zh-TW" altLang="zh-TW" sz="6400" b="1" dirty="0">
+              <a:solidFill>
+                <a:srgbClr val="000066"/>
+              </a:solidFill>
+              <a:latin typeface="微軟正黑體" pitchFamily="34" charset="-120"/>
+              <a:ea typeface="微軟正黑體" pitchFamily="34" charset="-120"/>
+            </a:endParaRPr>
+          </a:p>
+          <a:p>
+            <a:pPr marL="0" indent="0" algn="ctr">
+              <a:buNone/>
+            </a:pPr>
+            <a:r>
+              <a:rPr lang="zh-TW" altLang="zh-TW" sz="6400" b="1" dirty="0">
+                <a:solidFill>
+                  <a:srgbClr val="000066"/>
+                </a:solidFill>
+                <a:latin typeface="微軟正黑體" pitchFamily="34" charset="-120"/>
+                <a:ea typeface="微軟正黑體" pitchFamily="34" charset="-120"/>
+              </a:rPr>
+              <a:t>我要一生跟隨著祢</a:t>
+            </a:r>
+            <a:endParaRPr lang="zh-TW" altLang="en-US" sz="6400" b="1" dirty="0">
+              <a:solidFill>
+                <a:srgbClr val="000066"/>
+              </a:solidFill>
+              <a:latin typeface="微軟正黑體" pitchFamily="34" charset="-120"/>
+              <a:ea typeface="微軟正黑體" pitchFamily="34" charset="-120"/>
+            </a:endParaRPr>
+          </a:p>
+        </p:txBody>
+      </p:sp>
+      <p:sp>
+        <p:nvSpPr>
+          <p:cNvPr id="3" name="TextBox 2"/>
+          <p:cNvSpPr txBox="1"/>
+          <p:nvPr/>
+        </p:nvSpPr>
+        <p:spPr>
+          <a:xfrm>
+            <a:off x="0" y="5157193"/>
+            <a:ext cx="12192000" cy="584775"/>
+          </a:xfrm>
+          <a:prstGeom prst="rect">
+            <a:avLst/>
+          </a:prstGeom>
+          <a:noFill/>
+        </p:spPr>
+        <p:txBody>
+          <a:bodyPr wrap="square" rtlCol="0">
+            <a:spAutoFit/>
+          </a:bodyPr>
+          <a:lstStyle/>
+          <a:p>
+            <a:pPr algn="ctr"/>
+            <a:r>
+              <a:rPr lang="en-US" sz="3200" b="1" dirty="0">
+                <a:solidFill>
+                  <a:srgbClr val="000066"/>
+                </a:solidFill>
+                <a:latin typeface="Microsoft JhengHei" panose="020B0604030504040204" pitchFamily="34" charset="-120"/>
+                <a:ea typeface="Microsoft JhengHei" panose="020B0604030504040204" pitchFamily="34" charset="-120"/>
+              </a:rPr>
+              <a:t>( </a:t>
+            </a:r>
+            <a:r>
+              <a:rPr lang="zh-CN" altLang="en-US" sz="3200" b="1" dirty="0">
+                <a:solidFill>
+                  <a:srgbClr val="000066"/>
+                </a:solidFill>
+                <a:latin typeface="Microsoft JhengHei" panose="020B0604030504040204" pitchFamily="34" charset="-120"/>
+                <a:ea typeface="Microsoft JhengHei" panose="020B0604030504040204" pitchFamily="34" charset="-120"/>
+              </a:rPr>
+              <a:t>正歌</a:t>
+            </a:r>
+            <a:r>
+              <a:rPr lang="en-US" sz="3200" b="1" dirty="0">
+                <a:solidFill>
+                  <a:srgbClr val="000066"/>
+                </a:solidFill>
+                <a:latin typeface="Microsoft JhengHei" panose="020B0604030504040204" pitchFamily="34" charset="-120"/>
+                <a:ea typeface="Microsoft JhengHei" panose="020B0604030504040204" pitchFamily="34" charset="-120"/>
+              </a:rPr>
+              <a:t> )</a:t>
+            </a:r>
+            <a:endParaRPr lang="vi-VN" sz="3200" b="1" dirty="0">
+              <a:solidFill>
+                <a:srgbClr val="000066"/>
+              </a:solidFill>
+              <a:ea typeface="Microsoft JhengHei" panose="020B0604030504040204" pitchFamily="34" charset="-120"/>
+            </a:endParaRPr>
+          </a:p>
+        </p:txBody>
+      </p:sp>
+    </p:spTree>
+    <p:extLst>
+      <p:ext uri="{BB962C8B-B14F-4D97-AF65-F5344CB8AC3E}">
+        <p14:creationId xmlns:p14="http://schemas.microsoft.com/office/powerpoint/2010/main" val="2356056166"/>
+      </p:ext>
+    </p:extLst>
+  </p:cSld>
+  <p:clrMapOvr>
+    <a:masterClrMapping/>
+  </p:clrMapOvr>
+</p:sld>
+</file>
+
+<file path=ppt/slides/slide6.xml><?xml version="1.0" encoding="utf-8"?>
+<p:sld xmlns:a="http://schemas.openxmlformats.org/drawingml/2006/main" xmlns:r="http://schemas.openxmlformats.org/officeDocument/2006/relationships" xmlns:p="http://schemas.openxmlformats.org/presentationml/2006/main">
+  <p:cSld>
+    <p:spTree>
+      <p:nvGrpSpPr>
+        <p:cNvPr id="1" name=""/>
+        <p:cNvGrpSpPr/>
+        <p:nvPr/>
+      </p:nvGrpSpPr>
+      <p:grpSpPr>
+        <a:xfrm>
+          <a:off x="0" y="0"/>
+          <a:ext cx="0" cy="0"/>
+          <a:chOff x="0" y="0"/>
+          <a:chExt cx="0" cy="0"/>
+        </a:xfrm>
+      </p:grpSpPr>
+      <p:sp>
+        <p:nvSpPr>
+          <p:cNvPr id="5" name="內容版面配置區 4"/>
+          <p:cNvSpPr>
+            <a:spLocks noGrp="1"/>
+          </p:cNvSpPr>
+          <p:nvPr>
+            <p:ph idx="1"/>
+          </p:nvPr>
+        </p:nvSpPr>
+        <p:spPr>
+          <a:xfrm>
+            <a:off x="0" y="2084851"/>
+            <a:ext cx="12192000" cy="2404863"/>
+          </a:xfrm>
+        </p:spPr>
+        <p:txBody>
+          <a:bodyPr anchor="ctr">
+            <a:normAutofit/>
+          </a:bodyPr>
+          <a:lstStyle/>
+          <a:p>
+            <a:pPr marL="0" indent="0" algn="ctr">
+              <a:buNone/>
+            </a:pPr>
+            <a:r>
+              <a:rPr lang="zh-TW" altLang="zh-TW" sz="6400" b="1" dirty="0">
+                <a:solidFill>
+                  <a:srgbClr val="000066"/>
+                </a:solidFill>
+                <a:latin typeface="微軟正黑體" pitchFamily="34" charset="-120"/>
+                <a:ea typeface="微軟正黑體" pitchFamily="34" charset="-120"/>
+              </a:rPr>
+              <a:t>賜永生的主我的神</a:t>
+            </a:r>
+          </a:p>
+          <a:p>
+            <a:pPr marL="0" indent="0" algn="ctr">
+              <a:buNone/>
+            </a:pPr>
+            <a:r>
+              <a:rPr lang="zh-TW" altLang="zh-TW" sz="6400" b="1" dirty="0">
+                <a:solidFill>
+                  <a:srgbClr val="000066"/>
+                </a:solidFill>
+                <a:latin typeface="微軟正黑體" pitchFamily="34" charset="-120"/>
+                <a:ea typeface="微軟正黑體" pitchFamily="34" charset="-120"/>
+              </a:rPr>
+              <a:t>使我的生命得豐</a:t>
+            </a:r>
+            <a:r>
+              <a:rPr lang="zh-TW" altLang="zh-TW" sz="6400" b="1" dirty="0">
+                <a:solidFill>
+                  <a:srgbClr val="000066"/>
+                </a:solidFill>
+                <a:latin typeface="微軟正黑體" pitchFamily="34" charset="-120"/>
+                <a:ea typeface="微軟正黑體" pitchFamily="34" charset="-120"/>
+              </a:rPr>
+              <a:t>盛</a:t>
+            </a:r>
+            <a:endParaRPr lang="en-US" altLang="zh-TW" sz="6400" b="1" dirty="0">
+              <a:solidFill>
+                <a:srgbClr val="000066"/>
+              </a:solidFill>
+              <a:latin typeface="微軟正黑體" pitchFamily="34" charset="-120"/>
+              <a:ea typeface="微軟正黑體" pitchFamily="34" charset="-120"/>
+            </a:endParaRPr>
+          </a:p>
+        </p:txBody>
+      </p:sp>
+      <p:sp>
+        <p:nvSpPr>
+          <p:cNvPr id="3" name="TextBox 2"/>
+          <p:cNvSpPr txBox="1"/>
+          <p:nvPr/>
+        </p:nvSpPr>
+        <p:spPr>
+          <a:xfrm>
+            <a:off x="0" y="5157193"/>
+            <a:ext cx="12192000" cy="584775"/>
+          </a:xfrm>
+          <a:prstGeom prst="rect">
+            <a:avLst/>
+          </a:prstGeom>
+          <a:noFill/>
+        </p:spPr>
+        <p:txBody>
+          <a:bodyPr wrap="square" rtlCol="0">
+            <a:spAutoFit/>
+          </a:bodyPr>
+          <a:lstStyle/>
+          <a:p>
+            <a:pPr algn="ctr"/>
+            <a:r>
+              <a:rPr lang="en-US" sz="3200" b="1" dirty="0">
+                <a:solidFill>
+                  <a:srgbClr val="000066"/>
+                </a:solidFill>
+                <a:latin typeface="Microsoft JhengHei" panose="020B0604030504040204" pitchFamily="34" charset="-120"/>
+                <a:ea typeface="Microsoft JhengHei" panose="020B0604030504040204" pitchFamily="34" charset="-120"/>
+              </a:rPr>
+              <a:t>( </a:t>
+            </a:r>
+            <a:r>
+              <a:rPr lang="zh-CN" altLang="en-US" sz="3200" b="1" dirty="0">
+                <a:solidFill>
+                  <a:srgbClr val="000066"/>
+                </a:solidFill>
+                <a:latin typeface="Microsoft JhengHei" panose="020B0604030504040204" pitchFamily="34" charset="-120"/>
+                <a:ea typeface="Microsoft JhengHei" panose="020B0604030504040204" pitchFamily="34" charset="-120"/>
+              </a:rPr>
+              <a:t>副歌</a:t>
+            </a:r>
+            <a:r>
+              <a:rPr lang="en-US" sz="3200" b="1" dirty="0">
+                <a:solidFill>
+                  <a:srgbClr val="000066"/>
+                </a:solidFill>
+                <a:latin typeface="Microsoft JhengHei" panose="020B0604030504040204" pitchFamily="34" charset="-120"/>
+                <a:ea typeface="Microsoft JhengHei" panose="020B0604030504040204" pitchFamily="34" charset="-120"/>
+              </a:rPr>
+              <a:t> )</a:t>
+            </a:r>
+            <a:endParaRPr lang="vi-VN" sz="3200" b="1" dirty="0">
+              <a:solidFill>
+                <a:srgbClr val="000066"/>
+              </a:solidFill>
+              <a:ea typeface="Microsoft JhengHei" panose="020B0604030504040204" pitchFamily="34" charset="-120"/>
+            </a:endParaRPr>
+          </a:p>
+        </p:txBody>
+      </p:sp>
+    </p:spTree>
+    <p:extLst>
+      <p:ext uri="{BB962C8B-B14F-4D97-AF65-F5344CB8AC3E}">
+        <p14:creationId xmlns:p14="http://schemas.microsoft.com/office/powerpoint/2010/main" val="4105897415"/>
+      </p:ext>
+    </p:extLst>
+  </p:cSld>
+  <p:clrMapOvr>
+    <a:masterClrMapping/>
+  </p:clrMapOvr>
+</p:sld>
+</file>
+
+<file path=ppt/slides/slide7.xml><?xml version="1.0" encoding="utf-8"?>
+<p:sld xmlns:a="http://schemas.openxmlformats.org/drawingml/2006/main" xmlns:r="http://schemas.openxmlformats.org/officeDocument/2006/relationships" xmlns:p="http://schemas.openxmlformats.org/presentationml/2006/main">
+  <p:cSld>
+    <p:spTree>
+      <p:nvGrpSpPr>
+        <p:cNvPr id="1" name=""/>
+        <p:cNvGrpSpPr/>
+        <p:nvPr/>
+      </p:nvGrpSpPr>
+      <p:grpSpPr>
+        <a:xfrm>
+          <a:off x="0" y="0"/>
+          <a:ext cx="0" cy="0"/>
+          <a:chOff x="0" y="0"/>
+          <a:chExt cx="0" cy="0"/>
+        </a:xfrm>
+      </p:grpSpPr>
+      <p:sp>
+        <p:nvSpPr>
+          <p:cNvPr id="5" name="內容版面配置區 4"/>
+          <p:cNvSpPr>
+            <a:spLocks noGrp="1"/>
+          </p:cNvSpPr>
+          <p:nvPr>
+            <p:ph idx="1"/>
+          </p:nvPr>
+        </p:nvSpPr>
+        <p:spPr>
+          <a:xfrm>
+            <a:off x="0" y="2084851"/>
+            <a:ext cx="12192000" cy="2404863"/>
+          </a:xfrm>
+        </p:spPr>
+        <p:txBody>
+          <a:bodyPr anchor="ctr">
+            <a:normAutofit/>
+          </a:bodyPr>
+          <a:lstStyle/>
+          <a:p>
+            <a:pPr marL="0" indent="0" algn="ctr">
+              <a:buNone/>
+            </a:pPr>
+            <a:r>
+              <a:rPr lang="zh-TW" altLang="zh-TW" sz="6400" b="1" dirty="0">
+                <a:solidFill>
+                  <a:srgbClr val="000066"/>
+                </a:solidFill>
+                <a:latin typeface="微軟正黑體" pitchFamily="34" charset="-120"/>
+                <a:ea typeface="微軟正黑體" pitchFamily="34" charset="-120"/>
+              </a:rPr>
+              <a:t>我的心全屬祢</a:t>
+            </a:r>
+          </a:p>
+          <a:p>
+            <a:pPr marL="0" indent="0" algn="ctr">
+              <a:buNone/>
+            </a:pPr>
+            <a:r>
+              <a:rPr lang="zh-TW" altLang="zh-TW" sz="6400" b="1" dirty="0">
+                <a:solidFill>
+                  <a:srgbClr val="000066"/>
+                </a:solidFill>
+                <a:latin typeface="微軟正黑體" pitchFamily="34" charset="-120"/>
+                <a:ea typeface="微軟正黑體" pitchFamily="34" charset="-120"/>
+              </a:rPr>
+              <a:t>要傳揚祢的名直到永遠</a:t>
+            </a:r>
+          </a:p>
+        </p:txBody>
+      </p:sp>
+      <p:sp>
+        <p:nvSpPr>
+          <p:cNvPr id="3" name="TextBox 2"/>
+          <p:cNvSpPr txBox="1"/>
+          <p:nvPr/>
+        </p:nvSpPr>
+        <p:spPr>
+          <a:xfrm>
+            <a:off x="0" y="5157193"/>
+            <a:ext cx="12192000" cy="584775"/>
+          </a:xfrm>
+          <a:prstGeom prst="rect">
+            <a:avLst/>
+          </a:prstGeom>
+          <a:noFill/>
+        </p:spPr>
+        <p:txBody>
+          <a:bodyPr wrap="square" rtlCol="0">
+            <a:spAutoFit/>
+          </a:bodyPr>
+          <a:lstStyle/>
+          <a:p>
+            <a:pPr algn="ctr"/>
+            <a:r>
+              <a:rPr lang="en-US" sz="3200" b="1" dirty="0">
+                <a:solidFill>
+                  <a:srgbClr val="000066"/>
+                </a:solidFill>
+                <a:latin typeface="Microsoft JhengHei" panose="020B0604030504040204" pitchFamily="34" charset="-120"/>
+                <a:ea typeface="Microsoft JhengHei" panose="020B0604030504040204" pitchFamily="34" charset="-120"/>
+              </a:rPr>
+              <a:t>( </a:t>
+            </a:r>
+            <a:r>
+              <a:rPr lang="zh-CN" altLang="en-US" sz="3200" b="1" dirty="0">
+                <a:solidFill>
+                  <a:srgbClr val="000066"/>
+                </a:solidFill>
+                <a:latin typeface="Microsoft JhengHei" panose="020B0604030504040204" pitchFamily="34" charset="-120"/>
+                <a:ea typeface="Microsoft JhengHei" panose="020B0604030504040204" pitchFamily="34" charset="-120"/>
+              </a:rPr>
+              <a:t>副歌</a:t>
+            </a:r>
+            <a:r>
+              <a:rPr lang="en-US" sz="3200" b="1" dirty="0">
+                <a:solidFill>
+                  <a:srgbClr val="000066"/>
+                </a:solidFill>
+                <a:latin typeface="Microsoft JhengHei" panose="020B0604030504040204" pitchFamily="34" charset="-120"/>
+                <a:ea typeface="Microsoft JhengHei" panose="020B0604030504040204" pitchFamily="34" charset="-120"/>
+              </a:rPr>
+              <a:t> )</a:t>
+            </a:r>
+            <a:endParaRPr lang="vi-VN" sz="3200" b="1" dirty="0">
+              <a:solidFill>
+                <a:srgbClr val="000066"/>
+              </a:solidFill>
+              <a:ea typeface="Microsoft JhengHei" panose="020B0604030504040204" pitchFamily="34" charset="-120"/>
+            </a:endParaRPr>
+          </a:p>
+        </p:txBody>
+      </p:sp>
+    </p:spTree>
+    <p:extLst>
+      <p:ext uri="{BB962C8B-B14F-4D97-AF65-F5344CB8AC3E}">
+        <p14:creationId xmlns:p14="http://schemas.microsoft.com/office/powerpoint/2010/main" val="886642856"/>
+      </p:ext>
+    </p:extLst>
+  </p:cSld>
+  <p:clrMapOvr>
+    <a:masterClrMapping/>
+  </p:clrMapOvr>
+</p:sld>
+</file>
+
+<file path=ppt/slides/slide8.xml><?xml version="1.0" encoding="utf-8"?>
+<p:sld xmlns:a="http://schemas.openxmlformats.org/drawingml/2006/main" xmlns:r="http://schemas.openxmlformats.org/officeDocument/2006/relationships" xmlns:p="http://schemas.openxmlformats.org/presentationml/2006/main">
+  <p:cSld>
+    <p:spTree>
+      <p:nvGrpSpPr>
+        <p:cNvPr id="1" name=""/>
+        <p:cNvGrpSpPr/>
+        <p:nvPr/>
+      </p:nvGrpSpPr>
+      <p:grpSpPr>
+        <a:xfrm>
+          <a:off x="0" y="0"/>
+          <a:ext cx="0" cy="0"/>
+          <a:chOff x="0" y="0"/>
+          <a:chExt cx="0" cy="0"/>
+        </a:xfrm>
+      </p:grpSpPr>
+      <p:sp>
+        <p:nvSpPr>
+          <p:cNvPr id="5" name="內容版面配置區 4"/>
+          <p:cNvSpPr>
+            <a:spLocks noGrp="1"/>
+          </p:cNvSpPr>
+          <p:nvPr>
+            <p:ph idx="1"/>
+          </p:nvPr>
+        </p:nvSpPr>
+        <p:spPr>
+          <a:xfrm>
+            <a:off x="0" y="2084851"/>
+            <a:ext cx="12192000" cy="2404863"/>
+          </a:xfrm>
+        </p:spPr>
+        <p:txBody>
+          <a:bodyPr anchor="ctr">
+            <a:normAutofit/>
+          </a:bodyPr>
+          <a:lstStyle/>
+          <a:p>
+            <a:pPr marL="0" indent="0" algn="ctr">
+              <a:buNone/>
+            </a:pPr>
+            <a:r>
+              <a:rPr lang="zh-TW" altLang="zh-TW" sz="6400" b="1" dirty="0">
+                <a:solidFill>
+                  <a:srgbClr val="000066"/>
+                </a:solidFill>
+                <a:latin typeface="微軟正黑體" pitchFamily="34" charset="-120"/>
+                <a:ea typeface="微軟正黑體" pitchFamily="34" charset="-120"/>
+              </a:rPr>
+              <a:t>祢是我的神</a:t>
+            </a:r>
+            <a:endParaRPr lang="zh-TW" altLang="en-US" sz="6400" b="1" dirty="0">
+              <a:solidFill>
+                <a:srgbClr val="000066"/>
+              </a:solidFill>
+              <a:latin typeface="微軟正黑體" pitchFamily="34" charset="-120"/>
+              <a:ea typeface="微軟正黑體" pitchFamily="34" charset="-120"/>
+            </a:endParaRPr>
+          </a:p>
+        </p:txBody>
+      </p:sp>
+      <p:sp>
+        <p:nvSpPr>
+          <p:cNvPr id="3" name="TextBox 2"/>
+          <p:cNvSpPr txBox="1"/>
+          <p:nvPr/>
+        </p:nvSpPr>
+        <p:spPr>
+          <a:xfrm>
+            <a:off x="0" y="5157193"/>
+            <a:ext cx="12192000" cy="584775"/>
+          </a:xfrm>
+          <a:prstGeom prst="rect">
+            <a:avLst/>
+          </a:prstGeom>
+          <a:noFill/>
+        </p:spPr>
+        <p:txBody>
+          <a:bodyPr wrap="square" rtlCol="0">
+            <a:spAutoFit/>
+          </a:bodyPr>
+          <a:lstStyle/>
+          <a:p>
+            <a:pPr algn="ctr"/>
+            <a:r>
+              <a:rPr lang="en-US" sz="3200" b="1" dirty="0">
+                <a:solidFill>
+                  <a:srgbClr val="000066"/>
+                </a:solidFill>
+                <a:latin typeface="Microsoft JhengHei" panose="020B0604030504040204" pitchFamily="34" charset="-120"/>
+                <a:ea typeface="Microsoft JhengHei" panose="020B0604030504040204" pitchFamily="34" charset="-120"/>
+              </a:rPr>
+              <a:t>( </a:t>
+            </a:r>
+            <a:r>
+              <a:rPr lang="zh-CN" altLang="en-US" sz="3200" b="1" dirty="0">
+                <a:solidFill>
+                  <a:srgbClr val="000066"/>
+                </a:solidFill>
+                <a:latin typeface="Microsoft JhengHei" panose="020B0604030504040204" pitchFamily="34" charset="-120"/>
+                <a:ea typeface="Microsoft JhengHei" panose="020B0604030504040204" pitchFamily="34" charset="-120"/>
+              </a:rPr>
+              <a:t>副歌</a:t>
+            </a:r>
+            <a:r>
+              <a:rPr lang="en-US" sz="3200" b="1" dirty="0">
+                <a:solidFill>
+                  <a:srgbClr val="000066"/>
+                </a:solidFill>
+                <a:latin typeface="Microsoft JhengHei" panose="020B0604030504040204" pitchFamily="34" charset="-120"/>
+                <a:ea typeface="Microsoft JhengHei" panose="020B0604030504040204" pitchFamily="34" charset="-120"/>
+              </a:rPr>
+              <a:t> )</a:t>
+            </a:r>
+            <a:endParaRPr lang="vi-VN" sz="3200" b="1" dirty="0">
+              <a:solidFill>
+                <a:srgbClr val="000066"/>
+              </a:solidFill>
+              <a:ea typeface="Microsoft JhengHei" panose="020B0604030504040204" pitchFamily="34" charset="-120"/>
+            </a:endParaRPr>
+          </a:p>
+        </p:txBody>
+      </p:sp>
+    </p:spTree>
+    <p:extLst>
+      <p:ext uri="{BB962C8B-B14F-4D97-AF65-F5344CB8AC3E}">
+        <p14:creationId xmlns:p14="http://schemas.microsoft.com/office/powerpoint/2010/main" val="1078178291"/>
       </p:ext>
     </p:extLst>
   </p:cSld>
